--- a/assets/tactile_image_files/0050-Hutton_s_unconformity_at_Siccar_Point/0050-Hutton_s_unconformity_at_Siccar_Point.pptx
+++ b/assets/tactile_image_files/0050-Hutton_s_unconformity_at_Siccar_Point/0050-Hutton_s_unconformity_at_Siccar_Point.pptx
@@ -253,7 +253,7 @@
           <a:p>
             <a:fld id="{E796F801-3BB8-A247-923B-F07F1B58D38A}" type="datetimeFigureOut">
               <a:rPr lang="en-US" smtClean="0"/>
-              <a:t>7/24/20</a:t>
+              <a:t>1/7/21</a:t>
             </a:fld>
             <a:endParaRPr lang="en-US"/>
           </a:p>
@@ -433,7 +433,7 @@
           <a:p>
             <a:fld id="{E796F801-3BB8-A247-923B-F07F1B58D38A}" type="datetimeFigureOut">
               <a:rPr lang="en-US" smtClean="0"/>
-              <a:t>7/24/20</a:t>
+              <a:t>1/7/21</a:t>
             </a:fld>
             <a:endParaRPr lang="en-US"/>
           </a:p>
@@ -603,7 +603,7 @@
           <a:p>
             <a:fld id="{E796F801-3BB8-A247-923B-F07F1B58D38A}" type="datetimeFigureOut">
               <a:rPr lang="en-US" smtClean="0"/>
-              <a:t>7/24/20</a:t>
+              <a:t>1/7/21</a:t>
             </a:fld>
             <a:endParaRPr lang="en-US"/>
           </a:p>
@@ -847,7 +847,7 @@
           <a:p>
             <a:fld id="{E796F801-3BB8-A247-923B-F07F1B58D38A}" type="datetimeFigureOut">
               <a:rPr lang="en-US" smtClean="0"/>
-              <a:t>7/24/20</a:t>
+              <a:t>1/7/21</a:t>
             </a:fld>
             <a:endParaRPr lang="en-US"/>
           </a:p>
@@ -1079,7 +1079,7 @@
           <a:p>
             <a:fld id="{E796F801-3BB8-A247-923B-F07F1B58D38A}" type="datetimeFigureOut">
               <a:rPr lang="en-US" smtClean="0"/>
-              <a:t>7/24/20</a:t>
+              <a:t>1/7/21</a:t>
             </a:fld>
             <a:endParaRPr lang="en-US"/>
           </a:p>
@@ -1446,7 +1446,7 @@
           <a:p>
             <a:fld id="{E796F801-3BB8-A247-923B-F07F1B58D38A}" type="datetimeFigureOut">
               <a:rPr lang="en-US" smtClean="0"/>
-              <a:t>7/24/20</a:t>
+              <a:t>1/7/21</a:t>
             </a:fld>
             <a:endParaRPr lang="en-US"/>
           </a:p>
@@ -1564,7 +1564,7 @@
           <a:p>
             <a:fld id="{E796F801-3BB8-A247-923B-F07F1B58D38A}" type="datetimeFigureOut">
               <a:rPr lang="en-US" smtClean="0"/>
-              <a:t>7/24/20</a:t>
+              <a:t>1/7/21</a:t>
             </a:fld>
             <a:endParaRPr lang="en-US"/>
           </a:p>
@@ -1659,7 +1659,7 @@
           <a:p>
             <a:fld id="{E796F801-3BB8-A247-923B-F07F1B58D38A}" type="datetimeFigureOut">
               <a:rPr lang="en-US" smtClean="0"/>
-              <a:t>7/24/20</a:t>
+              <a:t>1/7/21</a:t>
             </a:fld>
             <a:endParaRPr lang="en-US"/>
           </a:p>
@@ -1936,7 +1936,7 @@
           <a:p>
             <a:fld id="{E796F801-3BB8-A247-923B-F07F1B58D38A}" type="datetimeFigureOut">
               <a:rPr lang="en-US" smtClean="0"/>
-              <a:t>7/24/20</a:t>
+              <a:t>1/7/21</a:t>
             </a:fld>
             <a:endParaRPr lang="en-US"/>
           </a:p>
@@ -2193,7 +2193,7 @@
           <a:p>
             <a:fld id="{E796F801-3BB8-A247-923B-F07F1B58D38A}" type="datetimeFigureOut">
               <a:rPr lang="en-US" smtClean="0"/>
-              <a:t>7/24/20</a:t>
+              <a:t>1/7/21</a:t>
             </a:fld>
             <a:endParaRPr lang="en-US"/>
           </a:p>
@@ -2406,7 +2406,7 @@
           <a:p>
             <a:fld id="{E796F801-3BB8-A247-923B-F07F1B58D38A}" type="datetimeFigureOut">
               <a:rPr lang="en-US" smtClean="0"/>
-              <a:t>7/24/20</a:t>
+              <a:t>1/7/21</a:t>
             </a:fld>
             <a:endParaRPr lang="en-US"/>
           </a:p>
@@ -3441,8 +3441,8 @@
         </p:nvSpPr>
         <p:spPr>
           <a:xfrm>
-            <a:off x="744279" y="352003"/>
-            <a:ext cx="7634178" cy="461665"/>
+            <a:off x="1722475" y="288208"/>
+            <a:ext cx="5443870" cy="830997"/>
           </a:xfrm>
           <a:prstGeom prst="rect">
             <a:avLst/>
@@ -3454,11 +3454,12 @@
           </a:bodyPr>
           <a:lstStyle/>
           <a:p>
+            <a:pPr algn="ctr"/>
             <a:r>
               <a:rPr lang="en-US" sz="2400">
                 <a:latin typeface="Swell Braille" pitchFamily="49"/>
               </a:rPr>
-              <a:t>⠠⠓⠥⠞⠞⠕⠝⠄⠎⠀⠠⠥⠝⠒⠿⠍⠰⠽⠀⠁⠞⠀⠠⠎⠊⠒⠜⠀⠠⠏⠕⠔⠞</a:t>
+              <a:t>⠠⠓⠥⠞⠞⠕⠝⠄⠎⠀⠠⠥⠝⠉⠕⠝⠋⠕⠗⠍⠊⠞⠽⠀⠁⠞⠀⠠⠎⠊⠉⠉⠁⠗⠀⠠⠏⠕⠊⠝⠞</a:t>
             </a:r>
           </a:p>
         </p:txBody>

--- a/assets/tactile_image_files/0050-Hutton_s_unconformity_at_Siccar_Point/0050-Hutton_s_unconformity_at_Siccar_Point.pptx
+++ b/assets/tactile_image_files/0050-Hutton_s_unconformity_at_Siccar_Point/0050-Hutton_s_unconformity_at_Siccar_Point.pptx
@@ -253,7 +253,7 @@
           <a:p>
             <a:fld id="{E796F801-3BB8-A247-923B-F07F1B58D38A}" type="datetimeFigureOut">
               <a:rPr lang="en-US" smtClean="0"/>
-              <a:t>1/7/21</a:t>
+              <a:t>6/17/21</a:t>
             </a:fld>
             <a:endParaRPr lang="en-US"/>
           </a:p>
@@ -433,7 +433,7 @@
           <a:p>
             <a:fld id="{E796F801-3BB8-A247-923B-F07F1B58D38A}" type="datetimeFigureOut">
               <a:rPr lang="en-US" smtClean="0"/>
-              <a:t>1/7/21</a:t>
+              <a:t>6/17/21</a:t>
             </a:fld>
             <a:endParaRPr lang="en-US"/>
           </a:p>
@@ -603,7 +603,7 @@
           <a:p>
             <a:fld id="{E796F801-3BB8-A247-923B-F07F1B58D38A}" type="datetimeFigureOut">
               <a:rPr lang="en-US" smtClean="0"/>
-              <a:t>1/7/21</a:t>
+              <a:t>6/17/21</a:t>
             </a:fld>
             <a:endParaRPr lang="en-US"/>
           </a:p>
@@ -847,7 +847,7 @@
           <a:p>
             <a:fld id="{E796F801-3BB8-A247-923B-F07F1B58D38A}" type="datetimeFigureOut">
               <a:rPr lang="en-US" smtClean="0"/>
-              <a:t>1/7/21</a:t>
+              <a:t>6/17/21</a:t>
             </a:fld>
             <a:endParaRPr lang="en-US"/>
           </a:p>
@@ -1079,7 +1079,7 @@
           <a:p>
             <a:fld id="{E796F801-3BB8-A247-923B-F07F1B58D38A}" type="datetimeFigureOut">
               <a:rPr lang="en-US" smtClean="0"/>
-              <a:t>1/7/21</a:t>
+              <a:t>6/17/21</a:t>
             </a:fld>
             <a:endParaRPr lang="en-US"/>
           </a:p>
@@ -1446,7 +1446,7 @@
           <a:p>
             <a:fld id="{E796F801-3BB8-A247-923B-F07F1B58D38A}" type="datetimeFigureOut">
               <a:rPr lang="en-US" smtClean="0"/>
-              <a:t>1/7/21</a:t>
+              <a:t>6/17/21</a:t>
             </a:fld>
             <a:endParaRPr lang="en-US"/>
           </a:p>
@@ -1564,7 +1564,7 @@
           <a:p>
             <a:fld id="{E796F801-3BB8-A247-923B-F07F1B58D38A}" type="datetimeFigureOut">
               <a:rPr lang="en-US" smtClean="0"/>
-              <a:t>1/7/21</a:t>
+              <a:t>6/17/21</a:t>
             </a:fld>
             <a:endParaRPr lang="en-US"/>
           </a:p>
@@ -1659,7 +1659,7 @@
           <a:p>
             <a:fld id="{E796F801-3BB8-A247-923B-F07F1B58D38A}" type="datetimeFigureOut">
               <a:rPr lang="en-US" smtClean="0"/>
-              <a:t>1/7/21</a:t>
+              <a:t>6/17/21</a:t>
             </a:fld>
             <a:endParaRPr lang="en-US"/>
           </a:p>
@@ -1936,7 +1936,7 @@
           <a:p>
             <a:fld id="{E796F801-3BB8-A247-923B-F07F1B58D38A}" type="datetimeFigureOut">
               <a:rPr lang="en-US" smtClean="0"/>
-              <a:t>1/7/21</a:t>
+              <a:t>6/17/21</a:t>
             </a:fld>
             <a:endParaRPr lang="en-US"/>
           </a:p>
@@ -2193,7 +2193,7 @@
           <a:p>
             <a:fld id="{E796F801-3BB8-A247-923B-F07F1B58D38A}" type="datetimeFigureOut">
               <a:rPr lang="en-US" smtClean="0"/>
-              <a:t>1/7/21</a:t>
+              <a:t>6/17/21</a:t>
             </a:fld>
             <a:endParaRPr lang="en-US"/>
           </a:p>
@@ -2406,7 +2406,7 @@
           <a:p>
             <a:fld id="{E796F801-3BB8-A247-923B-F07F1B58D38A}" type="datetimeFigureOut">
               <a:rPr lang="en-US" smtClean="0"/>
-              <a:t>1/7/21</a:t>
+              <a:t>6/17/21</a:t>
             </a:fld>
             <a:endParaRPr lang="en-US"/>
           </a:p>
@@ -3456,10 +3456,10 @@
           <a:p>
             <a:pPr algn="ctr"/>
             <a:r>
-              <a:rPr lang="en-US" sz="2400">
+              <a:rPr lang="en-US" sz="2400" dirty="0">
                 <a:latin typeface="Swell Braille" pitchFamily="49"/>
               </a:rPr>
-              <a:t>⠠⠓⠥⠞⠞⠕⠝⠄⠎⠀⠠⠥⠝⠉⠕⠝⠋⠕⠗⠍⠊⠞⠽⠀⠁⠞⠀⠠⠎⠊⠉⠉⠁⠗⠀⠠⠏⠕⠊⠝⠞</a:t>
+              <a:t>⠠⠓⠥⠞⠞⠕⠝⠄⠎⠀⠠⠥⠝con=⠍;y⠀⠁⠞⠀ ⠠⠎⠊⠉⠉&gt;⠀⠠⠏⠕9⠞</a:t>
             </a:r>
           </a:p>
         </p:txBody>
@@ -3492,7 +3492,7 @@
           <a:lstStyle/>
           <a:p>
             <a:r>
-              <a:rPr lang="en-US" sz="2400">
+              <a:rPr lang="en-US" sz="2400" dirty="0">
                 <a:latin typeface="Swell Braille" pitchFamily="49"/>
               </a:rPr>
               <a:t>⠠⠙⠑⠧⠕⠝⠊⠁⠝⠀⠉⠇⠁⠌⠊⠉⠎</a:t>
@@ -3500,10 +3500,10 @@
           </a:p>
           <a:p>
             <a:r>
-              <a:rPr lang="en-US" sz="2400">
+              <a:rPr lang="en-US" sz="2400" dirty="0">
                 <a:latin typeface="Swell Braille" pitchFamily="49"/>
               </a:rPr>
-              <a:t>⠐⠣⠎⠯⠌⠐⠕⠎⠀⠯⠀⠉⠕⠝⠛⠇⠕⠍⠻⠁⠞⠑⠎⠐⠜</a:t>
+              <a:t>⠐⠣⠎⠯⠌⠐⠕⠎⠀⠯⠀3⠛⠇⠕⠍⠻⠁⠞⠑⠎⠐⠜</a:t>
             </a:r>
           </a:p>
         </p:txBody>
